--- a/java/TP-design-patterns/handson-1-design-patterns.pptx
+++ b/java/TP-design-patterns/handson-1-design-patterns.pptx
@@ -282,7 +282,7 @@
           <a:p>
             <a:fld id="{813DCEE4-5C03-4FD4-A907-F816265DCF1B}" type="datetimeFigureOut">
               <a:rPr lang="fr-FR" smtClean="0"/>
-              <a:t>31/01/2023</a:t>
+              <a:t>02/02/2023</a:t>
             </a:fld>
             <a:endParaRPr lang="fr-FR"/>
           </a:p>
@@ -482,7 +482,7 @@
           <a:p>
             <a:fld id="{813DCEE4-5C03-4FD4-A907-F816265DCF1B}" type="datetimeFigureOut">
               <a:rPr lang="fr-FR" smtClean="0"/>
-              <a:t>31/01/2023</a:t>
+              <a:t>02/02/2023</a:t>
             </a:fld>
             <a:endParaRPr lang="fr-FR"/>
           </a:p>
@@ -692,7 +692,7 @@
           <a:p>
             <a:fld id="{813DCEE4-5C03-4FD4-A907-F816265DCF1B}" type="datetimeFigureOut">
               <a:rPr lang="fr-FR" smtClean="0"/>
-              <a:t>31/01/2023</a:t>
+              <a:t>02/02/2023</a:t>
             </a:fld>
             <a:endParaRPr lang="fr-FR"/>
           </a:p>
@@ -892,7 +892,7 @@
           <a:p>
             <a:fld id="{813DCEE4-5C03-4FD4-A907-F816265DCF1B}" type="datetimeFigureOut">
               <a:rPr lang="fr-FR" smtClean="0"/>
-              <a:t>31/01/2023</a:t>
+              <a:t>02/02/2023</a:t>
             </a:fld>
             <a:endParaRPr lang="fr-FR"/>
           </a:p>
@@ -1168,7 +1168,7 @@
           <a:p>
             <a:fld id="{813DCEE4-5C03-4FD4-A907-F816265DCF1B}" type="datetimeFigureOut">
               <a:rPr lang="fr-FR" smtClean="0"/>
-              <a:t>31/01/2023</a:t>
+              <a:t>02/02/2023</a:t>
             </a:fld>
             <a:endParaRPr lang="fr-FR"/>
           </a:p>
@@ -1436,7 +1436,7 @@
           <a:p>
             <a:fld id="{813DCEE4-5C03-4FD4-A907-F816265DCF1B}" type="datetimeFigureOut">
               <a:rPr lang="fr-FR" smtClean="0"/>
-              <a:t>31/01/2023</a:t>
+              <a:t>02/02/2023</a:t>
             </a:fld>
             <a:endParaRPr lang="fr-FR"/>
           </a:p>
@@ -1851,7 +1851,7 @@
           <a:p>
             <a:fld id="{813DCEE4-5C03-4FD4-A907-F816265DCF1B}" type="datetimeFigureOut">
               <a:rPr lang="fr-FR" smtClean="0"/>
-              <a:t>31/01/2023</a:t>
+              <a:t>02/02/2023</a:t>
             </a:fld>
             <a:endParaRPr lang="fr-FR"/>
           </a:p>
@@ -1993,7 +1993,7 @@
           <a:p>
             <a:fld id="{813DCEE4-5C03-4FD4-A907-F816265DCF1B}" type="datetimeFigureOut">
               <a:rPr lang="fr-FR" smtClean="0"/>
-              <a:t>31/01/2023</a:t>
+              <a:t>02/02/2023</a:t>
             </a:fld>
             <a:endParaRPr lang="fr-FR"/>
           </a:p>
@@ -2106,7 +2106,7 @@
           <a:p>
             <a:fld id="{813DCEE4-5C03-4FD4-A907-F816265DCF1B}" type="datetimeFigureOut">
               <a:rPr lang="fr-FR" smtClean="0"/>
-              <a:t>31/01/2023</a:t>
+              <a:t>02/02/2023</a:t>
             </a:fld>
             <a:endParaRPr lang="fr-FR"/>
           </a:p>
@@ -2419,7 +2419,7 @@
           <a:p>
             <a:fld id="{813DCEE4-5C03-4FD4-A907-F816265DCF1B}" type="datetimeFigureOut">
               <a:rPr lang="fr-FR" smtClean="0"/>
-              <a:t>31/01/2023</a:t>
+              <a:t>02/02/2023</a:t>
             </a:fld>
             <a:endParaRPr lang="fr-FR"/>
           </a:p>
@@ -2708,7 +2708,7 @@
           <a:p>
             <a:fld id="{813DCEE4-5C03-4FD4-A907-F816265DCF1B}" type="datetimeFigureOut">
               <a:rPr lang="fr-FR" smtClean="0"/>
-              <a:t>31/01/2023</a:t>
+              <a:t>02/02/2023</a:t>
             </a:fld>
             <a:endParaRPr lang="fr-FR"/>
           </a:p>
@@ -2951,7 +2951,7 @@
           <a:p>
             <a:fld id="{813DCEE4-5C03-4FD4-A907-F816265DCF1B}" type="datetimeFigureOut">
               <a:rPr lang="fr-FR" smtClean="0"/>
-              <a:t>31/01/2023</a:t>
+              <a:t>02/02/2023</a:t>
             </a:fld>
             <a:endParaRPr lang="fr-FR"/>
           </a:p>
@@ -6684,8 +6684,8 @@
         </p:nvSpPr>
         <p:spPr>
           <a:xfrm>
-            <a:off x="2166730" y="4865204"/>
-            <a:ext cx="8490722" cy="2031325"/>
+            <a:off x="2052431" y="3264742"/>
+            <a:ext cx="9455858" cy="2246769"/>
           </a:xfrm>
           <a:prstGeom prst="rect">
             <a:avLst/>
@@ -6699,301 +6699,301 @@
           <a:lstStyle/>
           <a:p>
             <a:r>
-              <a:rPr lang="fr-FR" dirty="0" err="1"/>
+              <a:rPr lang="fr-FR" sz="2000" dirty="0" err="1"/>
               <a:t>When</a:t>
             </a:r>
             <a:r>
-              <a:rPr lang="fr-FR" dirty="0"/>
+              <a:rPr lang="fr-FR" sz="2000" dirty="0"/>
               <a:t> </a:t>
             </a:r>
             <a:r>
-              <a:rPr lang="fr-FR" dirty="0" err="1"/>
+              <a:rPr lang="fr-FR" sz="2000" dirty="0" err="1"/>
               <a:t>you</a:t>
             </a:r>
             <a:r>
-              <a:rPr lang="fr-FR" dirty="0"/>
+              <a:rPr lang="fr-FR" sz="2000" dirty="0"/>
               <a:t> </a:t>
             </a:r>
             <a:r>
-              <a:rPr lang="fr-FR" dirty="0" err="1"/>
+              <a:rPr lang="fr-FR" sz="2000" dirty="0" err="1"/>
               <a:t>double-click</a:t>
             </a:r>
             <a:r>
-              <a:rPr lang="fr-FR" dirty="0"/>
+              <a:rPr lang="fr-FR" sz="2000" dirty="0"/>
               <a:t> on a file </a:t>
             </a:r>
             <a:br>
-              <a:rPr lang="fr-FR" dirty="0"/>
+              <a:rPr lang="fr-FR" sz="2000" dirty="0"/>
             </a:br>
             <a:r>
-              <a:rPr lang="fr-FR" dirty="0"/>
+              <a:rPr lang="fr-FR" sz="2000" dirty="0"/>
               <a:t>   </a:t>
             </a:r>
             <a:r>
-              <a:rPr lang="fr-FR" dirty="0" err="1"/>
+              <a:rPr lang="fr-FR" sz="2000" dirty="0" err="1"/>
               <a:t>with</a:t>
             </a:r>
             <a:r>
-              <a:rPr lang="fr-FR" dirty="0"/>
+              <a:rPr lang="fr-FR" sz="2000" dirty="0"/>
               <a:t> </a:t>
             </a:r>
             <a:r>
-              <a:rPr lang="fr-FR" dirty="0" err="1"/>
+              <a:rPr lang="fr-FR" sz="2000" dirty="0" err="1"/>
               <a:t>suffix</a:t>
             </a:r>
             <a:r>
-              <a:rPr lang="fr-FR" dirty="0"/>
+              <a:rPr lang="fr-FR" sz="2000" dirty="0"/>
               <a:t> « .exe » =&gt; </a:t>
             </a:r>
             <a:r>
-              <a:rPr lang="fr-FR" dirty="0" err="1"/>
+              <a:rPr lang="fr-FR" sz="2000" dirty="0" err="1"/>
               <a:t>it</a:t>
             </a:r>
             <a:r>
-              <a:rPr lang="fr-FR" dirty="0"/>
+              <a:rPr lang="fr-FR" sz="2000" dirty="0"/>
               <a:t> </a:t>
             </a:r>
             <a:r>
-              <a:rPr lang="fr-FR" dirty="0" err="1"/>
+              <a:rPr lang="fr-FR" sz="2000" dirty="0" err="1"/>
               <a:t>executes</a:t>
             </a:r>
-            <a:endParaRPr lang="fr-FR" dirty="0"/>
-          </a:p>
-          <a:p>
-            <a:r>
-              <a:rPr lang="fr-FR" dirty="0"/>
+            <a:endParaRPr lang="fr-FR" sz="2000" dirty="0"/>
+          </a:p>
+          <a:p>
+            <a:r>
+              <a:rPr lang="fr-FR" sz="2000" dirty="0"/>
               <a:t>   </a:t>
             </a:r>
             <a:r>
-              <a:rPr lang="fr-FR" dirty="0" err="1"/>
+              <a:rPr lang="fr-FR" sz="2000" dirty="0" err="1"/>
               <a:t>with</a:t>
             </a:r>
             <a:r>
-              <a:rPr lang="fr-FR" dirty="0"/>
+              <a:rPr lang="fr-FR" sz="2000" dirty="0"/>
               <a:t> </a:t>
             </a:r>
             <a:r>
-              <a:rPr lang="fr-FR" dirty="0" err="1"/>
+              <a:rPr lang="fr-FR" sz="2000" dirty="0" err="1"/>
               <a:t>suffix</a:t>
             </a:r>
             <a:r>
-              <a:rPr lang="fr-FR" dirty="0"/>
+              <a:rPr lang="fr-FR" sz="2000" dirty="0"/>
               <a:t> « .</a:t>
             </a:r>
             <a:r>
-              <a:rPr lang="fr-FR" dirty="0" err="1"/>
+              <a:rPr lang="fr-FR" sz="2000" dirty="0" err="1"/>
               <a:t>pdf</a:t>
             </a:r>
             <a:r>
-              <a:rPr lang="fr-FR" dirty="0"/>
+              <a:rPr lang="fr-FR" sz="2000" dirty="0"/>
               <a:t> », « .doc », « .pptx », « .html » …. =&gt; </a:t>
             </a:r>
             <a:r>
-              <a:rPr lang="fr-FR" dirty="0" err="1"/>
+              <a:rPr lang="fr-FR" sz="2000" dirty="0" err="1"/>
               <a:t>it</a:t>
             </a:r>
             <a:r>
-              <a:rPr lang="fr-FR" dirty="0"/>
+              <a:rPr lang="fr-FR" sz="2000" dirty="0"/>
               <a:t> opens an application</a:t>
             </a:r>
             <a:br>
-              <a:rPr lang="fr-FR" dirty="0"/>
+              <a:rPr lang="fr-FR" sz="2000" dirty="0"/>
             </a:br>
             <a:r>
-              <a:rPr lang="fr-FR" dirty="0"/>
+              <a:rPr lang="fr-FR" sz="2000" dirty="0"/>
               <a:t>   </a:t>
             </a:r>
             <a:r>
-              <a:rPr lang="fr-FR" dirty="0" err="1"/>
+              <a:rPr lang="fr-FR" sz="2000" dirty="0" err="1"/>
               <a:t>with</a:t>
             </a:r>
             <a:r>
-              <a:rPr lang="fr-FR" dirty="0"/>
+              <a:rPr lang="fr-FR" sz="2000" dirty="0"/>
               <a:t> </a:t>
             </a:r>
             <a:r>
-              <a:rPr lang="fr-FR" dirty="0" err="1"/>
+              <a:rPr lang="fr-FR" sz="2000" dirty="0" err="1"/>
               <a:t>suffix</a:t>
             </a:r>
             <a:r>
-              <a:rPr lang="fr-FR" dirty="0"/>
+              <a:rPr lang="fr-FR" sz="2000" dirty="0"/>
               <a:t> « .tar », « .</a:t>
             </a:r>
             <a:r>
-              <a:rPr lang="fr-FR" dirty="0" err="1"/>
+              <a:rPr lang="fr-FR" sz="2000" dirty="0" err="1"/>
               <a:t>gz</a:t>
             </a:r>
             <a:r>
-              <a:rPr lang="fr-FR" dirty="0"/>
+              <a:rPr lang="fr-FR" sz="2000" dirty="0"/>
               <a:t> » =&gt; </a:t>
             </a:r>
             <a:r>
-              <a:rPr lang="fr-FR" dirty="0" err="1"/>
+              <a:rPr lang="fr-FR" sz="2000" dirty="0" err="1"/>
               <a:t>it</a:t>
             </a:r>
             <a:r>
-              <a:rPr lang="fr-FR" dirty="0"/>
+              <a:rPr lang="fr-FR" sz="2000" dirty="0"/>
               <a:t> proposes </a:t>
             </a:r>
             <a:r>
-              <a:rPr lang="fr-FR" dirty="0" err="1"/>
+              <a:rPr lang="fr-FR" sz="2000" dirty="0" err="1"/>
               <a:t>you</a:t>
             </a:r>
             <a:r>
-              <a:rPr lang="fr-FR" dirty="0"/>
+              <a:rPr lang="fr-FR" sz="2000" dirty="0"/>
               <a:t> to </a:t>
             </a:r>
             <a:r>
-              <a:rPr lang="fr-FR" dirty="0" err="1"/>
+              <a:rPr lang="fr-FR" sz="2000" dirty="0" err="1"/>
               <a:t>uncompress</a:t>
             </a:r>
             <a:br>
-              <a:rPr lang="fr-FR" dirty="0"/>
+              <a:rPr lang="fr-FR" sz="2000" dirty="0"/>
             </a:br>
             <a:r>
-              <a:rPr lang="fr-FR" dirty="0"/>
+              <a:rPr lang="fr-FR" sz="2000" dirty="0"/>
               <a:t>   </a:t>
             </a:r>
             <a:r>
-              <a:rPr lang="fr-FR" dirty="0" err="1"/>
+              <a:rPr lang="fr-FR" sz="2000" dirty="0" err="1"/>
               <a:t>with</a:t>
             </a:r>
             <a:r>
-              <a:rPr lang="fr-FR" dirty="0"/>
+              <a:rPr lang="fr-FR" sz="2000" dirty="0"/>
               <a:t> </a:t>
             </a:r>
             <a:r>
-              <a:rPr lang="fr-FR" dirty="0" err="1"/>
+              <a:rPr lang="fr-FR" sz="2000" dirty="0" err="1"/>
               <a:t>suffix</a:t>
             </a:r>
             <a:r>
-              <a:rPr lang="fr-FR" dirty="0"/>
+              <a:rPr lang="fr-FR" sz="2000" dirty="0"/>
               <a:t> « .tar.gz » =&gt; </a:t>
             </a:r>
             <a:r>
-              <a:rPr lang="fr-FR" dirty="0" err="1"/>
+              <a:rPr lang="fr-FR" sz="2000" dirty="0" err="1"/>
               <a:t>it</a:t>
             </a:r>
             <a:r>
-              <a:rPr lang="fr-FR" dirty="0"/>
+              <a:rPr lang="fr-FR" sz="2000" dirty="0"/>
               <a:t> proposes </a:t>
             </a:r>
             <a:r>
-              <a:rPr lang="fr-FR" dirty="0" err="1"/>
+              <a:rPr lang="fr-FR" sz="2000" dirty="0" err="1"/>
               <a:t>you</a:t>
             </a:r>
             <a:r>
-              <a:rPr lang="fr-FR" dirty="0"/>
+              <a:rPr lang="fr-FR" sz="2000" dirty="0"/>
               <a:t> to </a:t>
             </a:r>
             <a:r>
-              <a:rPr lang="fr-FR" dirty="0" err="1"/>
+              <a:rPr lang="fr-FR" sz="2000" dirty="0" err="1"/>
               <a:t>uncompress</a:t>
             </a:r>
             <a:r>
-              <a:rPr lang="fr-FR" dirty="0"/>
+              <a:rPr lang="fr-FR" sz="2000" dirty="0"/>
               <a:t>, and </a:t>
             </a:r>
             <a:r>
-              <a:rPr lang="fr-FR" dirty="0" err="1"/>
+              <a:rPr lang="fr-FR" sz="2000" dirty="0" err="1"/>
               <a:t>then</a:t>
             </a:r>
             <a:r>
-              <a:rPr lang="fr-FR" dirty="0"/>
+              <a:rPr lang="fr-FR" sz="2000" dirty="0"/>
               <a:t> to </a:t>
             </a:r>
             <a:r>
-              <a:rPr lang="fr-FR" dirty="0" err="1"/>
+              <a:rPr lang="fr-FR" sz="2000" dirty="0" err="1"/>
               <a:t>extract</a:t>
             </a:r>
             <a:r>
-              <a:rPr lang="fr-FR" dirty="0"/>
+              <a:rPr lang="fr-FR" sz="2000" dirty="0"/>
               <a:t> in a new </a:t>
             </a:r>
             <a:r>
-              <a:rPr lang="fr-FR" dirty="0" err="1"/>
+              <a:rPr lang="fr-FR" sz="2000" dirty="0" err="1"/>
               <a:t>dir</a:t>
             </a:r>
             <a:br>
-              <a:rPr lang="fr-FR" dirty="0"/>
+              <a:rPr lang="fr-FR" sz="2000" dirty="0"/>
             </a:br>
             <a:r>
-              <a:rPr lang="fr-FR" dirty="0"/>
+              <a:rPr lang="fr-FR" sz="2000" dirty="0"/>
               <a:t>   </a:t>
             </a:r>
             <a:r>
-              <a:rPr lang="fr-FR" dirty="0" err="1"/>
+              <a:rPr lang="fr-FR" sz="2000" dirty="0" err="1"/>
               <a:t>with</a:t>
             </a:r>
             <a:r>
-              <a:rPr lang="fr-FR" dirty="0"/>
+              <a:rPr lang="fr-FR" sz="2000" dirty="0"/>
               <a:t> </a:t>
             </a:r>
             <a:r>
-              <a:rPr lang="fr-FR" dirty="0" err="1"/>
+              <a:rPr lang="fr-FR" sz="2000" dirty="0" err="1"/>
               <a:t>suffix</a:t>
             </a:r>
             <a:r>
-              <a:rPr lang="fr-FR" dirty="0"/>
+              <a:rPr lang="fr-FR" sz="2000" dirty="0"/>
               <a:t>  « .zip » =&gt; </a:t>
             </a:r>
             <a:r>
-              <a:rPr lang="fr-FR" dirty="0" err="1"/>
+              <a:rPr lang="fr-FR" sz="2000" dirty="0" err="1"/>
               <a:t>it</a:t>
             </a:r>
             <a:r>
-              <a:rPr lang="fr-FR" dirty="0"/>
+              <a:rPr lang="fr-FR" sz="2000" dirty="0"/>
               <a:t> proposes </a:t>
             </a:r>
             <a:r>
-              <a:rPr lang="fr-FR" dirty="0" err="1"/>
+              <a:rPr lang="fr-FR" sz="2000" dirty="0" err="1"/>
               <a:t>you</a:t>
             </a:r>
             <a:r>
-              <a:rPr lang="fr-FR" dirty="0"/>
+              <a:rPr lang="fr-FR" sz="2000" dirty="0"/>
               <a:t> to </a:t>
             </a:r>
             <a:r>
-              <a:rPr lang="fr-FR" dirty="0" err="1"/>
+              <a:rPr lang="fr-FR" sz="2000" dirty="0" err="1"/>
               <a:t>extract</a:t>
             </a:r>
             <a:r>
-              <a:rPr lang="fr-FR" dirty="0"/>
+              <a:rPr lang="fr-FR" sz="2000" dirty="0"/>
               <a:t> in a new </a:t>
             </a:r>
             <a:r>
-              <a:rPr lang="fr-FR" dirty="0" err="1"/>
+              <a:rPr lang="fr-FR" sz="2000" dirty="0" err="1"/>
               <a:t>dir</a:t>
             </a:r>
             <a:br>
-              <a:rPr lang="fr-FR" dirty="0"/>
+              <a:rPr lang="fr-FR" sz="2000" dirty="0"/>
             </a:br>
             <a:r>
-              <a:rPr lang="fr-FR" dirty="0"/>
+              <a:rPr lang="fr-FR" sz="2000" dirty="0"/>
               <a:t>                                          zip files </a:t>
             </a:r>
             <a:r>
-              <a:rPr lang="fr-FR" dirty="0" err="1"/>
+              <a:rPr lang="fr-FR" sz="2000" dirty="0" err="1"/>
               <a:t>behave</a:t>
             </a:r>
             <a:r>
-              <a:rPr lang="fr-FR" dirty="0"/>
+              <a:rPr lang="fr-FR" sz="2000" dirty="0"/>
               <a:t> like a directory.. You can </a:t>
             </a:r>
             <a:r>
-              <a:rPr lang="fr-FR" dirty="0" err="1"/>
+              <a:rPr lang="fr-FR" sz="2000" dirty="0" err="1"/>
               <a:t>browse</a:t>
             </a:r>
             <a:r>
-              <a:rPr lang="fr-FR" dirty="0"/>
+              <a:rPr lang="fr-FR" sz="2000" dirty="0"/>
               <a:t> in </a:t>
             </a:r>
             <a:r>
-              <a:rPr lang="fr-FR" dirty="0" err="1"/>
+              <a:rPr lang="fr-FR" sz="2000" dirty="0" err="1"/>
               <a:t>it</a:t>
             </a:r>
             <a:r>
-              <a:rPr lang="fr-FR" dirty="0"/>
+              <a:rPr lang="fr-FR" sz="2000" dirty="0"/>
               <a:t>  </a:t>
             </a:r>
           </a:p>
@@ -7545,6 +7545,97 @@
           </a:p>
         </p:txBody>
       </p:sp>
+      <p:sp>
+        <p:nvSpPr>
+          <p:cNvPr id="5" name="Rectangle 4">
+            <a:extLst>
+              <a:ext uri="{FF2B5EF4-FFF2-40B4-BE49-F238E27FC236}">
+                <a16:creationId xmlns:a16="http://schemas.microsoft.com/office/drawing/2014/main" id="{477B361C-F1D3-83F1-B671-95E8BF4CF7E8}"/>
+              </a:ext>
+            </a:extLst>
+          </p:cNvPr>
+          <p:cNvSpPr/>
+          <p:nvPr/>
+        </p:nvSpPr>
+        <p:spPr>
+          <a:xfrm>
+            <a:off x="4091323" y="4048681"/>
+            <a:ext cx="769929" cy="581339"/>
+          </a:xfrm>
+          <a:prstGeom prst="rect">
+            <a:avLst/>
+          </a:prstGeom>
+        </p:spPr>
+        <p:style>
+          <a:lnRef idx="2">
+            <a:schemeClr val="accent1">
+              <a:shade val="50000"/>
+            </a:schemeClr>
+          </a:lnRef>
+          <a:fillRef idx="1">
+            <a:schemeClr val="accent1"/>
+          </a:fillRef>
+          <a:effectRef idx="0">
+            <a:schemeClr val="accent1"/>
+          </a:effectRef>
+          <a:fontRef idx="minor">
+            <a:schemeClr val="lt1"/>
+          </a:fontRef>
+        </p:style>
+        <p:txBody>
+          <a:bodyPr rtlCol="0" anchor="ctr"/>
+          <a:lstStyle/>
+          <a:p>
+            <a:pPr algn="ctr"/>
+            <a:r>
+              <a:rPr lang="fr-FR" dirty="0" err="1"/>
+              <a:t>Dir</a:t>
+            </a:r>
+            <a:endParaRPr lang="fr-FR" dirty="0"/>
+          </a:p>
+        </p:txBody>
+      </p:sp>
+      <p:cxnSp>
+        <p:nvCxnSpPr>
+          <p:cNvPr id="8" name="Straight Arrow Connector 7">
+            <a:extLst>
+              <a:ext uri="{FF2B5EF4-FFF2-40B4-BE49-F238E27FC236}">
+                <a16:creationId xmlns:a16="http://schemas.microsoft.com/office/drawing/2014/main" id="{DB752AD8-E4A0-AED9-C5C6-6C21ABEC6FDC}"/>
+              </a:ext>
+            </a:extLst>
+          </p:cNvPr>
+          <p:cNvCxnSpPr>
+            <a:cxnSpLocks/>
+          </p:cNvCxnSpPr>
+          <p:nvPr/>
+        </p:nvCxnSpPr>
+        <p:spPr>
+          <a:xfrm flipV="1">
+            <a:off x="4111995" y="4722713"/>
+            <a:ext cx="309434" cy="244566"/>
+          </a:xfrm>
+          <a:prstGeom prst="straightConnector1">
+            <a:avLst/>
+          </a:prstGeom>
+          <a:ln w="25400">
+            <a:tailEnd type="triangle" w="lg" len="lg"/>
+          </a:ln>
+        </p:spPr>
+        <p:style>
+          <a:lnRef idx="1">
+            <a:schemeClr val="accent1"/>
+          </a:lnRef>
+          <a:fillRef idx="0">
+            <a:schemeClr val="accent1"/>
+          </a:fillRef>
+          <a:effectRef idx="0">
+            <a:schemeClr val="accent1"/>
+          </a:effectRef>
+          <a:fontRef idx="minor">
+            <a:schemeClr val="tx1"/>
+          </a:fontRef>
+        </p:style>
+      </p:cxnSp>
     </p:spTree>
     <p:extLst>
       <p:ext uri="{BB962C8B-B14F-4D97-AF65-F5344CB8AC3E}">
@@ -8726,7 +8817,7 @@
         </p:nvSpPr>
         <p:spPr>
           <a:xfrm>
-            <a:off x="1173398" y="2654616"/>
+            <a:off x="293785" y="2111565"/>
             <a:ext cx="2578377" cy="581339"/>
           </a:xfrm>
           <a:prstGeom prst="rect">
@@ -8787,7 +8878,7 @@
         </p:nvSpPr>
         <p:spPr>
           <a:xfrm>
-            <a:off x="2576252" y="3972051"/>
+            <a:off x="1696639" y="3429000"/>
             <a:ext cx="2578377" cy="581339"/>
           </a:xfrm>
           <a:prstGeom prst="rect">
@@ -8855,7 +8946,7 @@
         </p:nvCxnSpPr>
         <p:spPr>
           <a:xfrm flipH="1" flipV="1">
-            <a:off x="2716002" y="3275111"/>
+            <a:off x="1836389" y="2732060"/>
             <a:ext cx="1149439" cy="696940"/>
           </a:xfrm>
           <a:prstGeom prst="straightConnector1">
@@ -8894,8 +8985,8 @@
         </p:nvSpPr>
         <p:spPr>
           <a:xfrm>
-            <a:off x="6590742" y="2565062"/>
-            <a:ext cx="2578377" cy="581339"/>
+            <a:off x="5711130" y="2022011"/>
+            <a:ext cx="2220296" cy="581339"/>
           </a:xfrm>
           <a:prstGeom prst="rect">
             <a:avLst/>
@@ -8924,7 +9015,7 @@
             <a:pPr algn="ctr"/>
             <a:r>
               <a:rPr lang="fr-FR" dirty="0"/>
-              <a:t>Azure Blob client</a:t>
+              <a:t>Azure Blob Client</a:t>
             </a:r>
           </a:p>
         </p:txBody>
@@ -8945,7 +9036,7 @@
         </p:nvCxnSpPr>
         <p:spPr>
           <a:xfrm flipV="1">
-            <a:off x="5632933" y="2855731"/>
+            <a:off x="4753320" y="2312680"/>
             <a:ext cx="957809" cy="290669"/>
           </a:xfrm>
           <a:prstGeom prst="straightConnector1">
@@ -8986,7 +9077,7 @@
         </p:nvCxnSpPr>
         <p:spPr>
           <a:xfrm>
-            <a:off x="5114874" y="4216078"/>
+            <a:off x="4235261" y="3673027"/>
             <a:ext cx="518059" cy="0"/>
           </a:xfrm>
           <a:prstGeom prst="line">
@@ -9025,7 +9116,7 @@
         </p:nvCxnSpPr>
         <p:spPr>
           <a:xfrm>
-            <a:off x="5632933" y="3146401"/>
+            <a:off x="4753320" y="2603350"/>
             <a:ext cx="0" cy="1069677"/>
           </a:xfrm>
           <a:prstGeom prst="line">
@@ -9070,7 +9161,7 @@
         </p:blipFill>
         <p:spPr>
           <a:xfrm>
-            <a:off x="5478198" y="5285755"/>
+            <a:off x="5276245" y="5354447"/>
             <a:ext cx="6713802" cy="1295512"/>
           </a:xfrm>
           <a:prstGeom prst="rect">
@@ -9178,6 +9269,822 @@
           </a:p>
         </p:txBody>
       </p:sp>
+      <p:sp>
+        <p:nvSpPr>
+          <p:cNvPr id="5" name="Rectangle 4">
+            <a:extLst>
+              <a:ext uri="{FF2B5EF4-FFF2-40B4-BE49-F238E27FC236}">
+                <a16:creationId xmlns:a16="http://schemas.microsoft.com/office/drawing/2014/main" id="{9F63D3C8-F582-164D-4ECF-0557055434AB}"/>
+              </a:ext>
+            </a:extLst>
+          </p:cNvPr>
+          <p:cNvSpPr/>
+          <p:nvPr/>
+        </p:nvSpPr>
+        <p:spPr>
+          <a:xfrm>
+            <a:off x="2473933" y="4773108"/>
+            <a:ext cx="2528762" cy="581339"/>
+          </a:xfrm>
+          <a:prstGeom prst="rect">
+            <a:avLst/>
+          </a:prstGeom>
+        </p:spPr>
+        <p:style>
+          <a:lnRef idx="2">
+            <a:schemeClr val="accent1">
+              <a:shade val="50000"/>
+            </a:schemeClr>
+          </a:lnRef>
+          <a:fillRef idx="1">
+            <a:schemeClr val="accent1"/>
+          </a:fillRef>
+          <a:effectRef idx="0">
+            <a:schemeClr val="accent1"/>
+          </a:effectRef>
+          <a:fontRef idx="minor">
+            <a:schemeClr val="lt1"/>
+          </a:fontRef>
+        </p:style>
+        <p:txBody>
+          <a:bodyPr rtlCol="0" anchor="ctr"/>
+          <a:lstStyle/>
+          <a:p>
+            <a:pPr algn="ctr"/>
+            <a:r>
+              <a:rPr lang="fr-FR" dirty="0"/>
+              <a:t>Azure </a:t>
+            </a:r>
+            <a:r>
+              <a:rPr lang="fr-FR" dirty="0" err="1"/>
+              <a:t>FileOutputStream</a:t>
+            </a:r>
+            <a:endParaRPr lang="fr-FR" dirty="0"/>
+          </a:p>
+        </p:txBody>
+      </p:sp>
+      <p:cxnSp>
+        <p:nvCxnSpPr>
+          <p:cNvPr id="7" name="Straight Arrow Connector 6">
+            <a:extLst>
+              <a:ext uri="{FF2B5EF4-FFF2-40B4-BE49-F238E27FC236}">
+                <a16:creationId xmlns:a16="http://schemas.microsoft.com/office/drawing/2014/main" id="{85AAA951-ADEE-405E-509B-489147B43D4F}"/>
+              </a:ext>
+            </a:extLst>
+          </p:cNvPr>
+          <p:cNvCxnSpPr>
+            <a:cxnSpLocks/>
+          </p:cNvCxnSpPr>
+          <p:nvPr/>
+        </p:nvCxnSpPr>
+        <p:spPr>
+          <a:xfrm>
+            <a:off x="3317207" y="4077733"/>
+            <a:ext cx="419906" cy="664972"/>
+          </a:xfrm>
+          <a:prstGeom prst="straightConnector1">
+            <a:avLst/>
+          </a:prstGeom>
+          <a:ln w="25400">
+            <a:prstDash val="dash"/>
+            <a:tailEnd type="arrow" w="lg" len="lg"/>
+          </a:ln>
+        </p:spPr>
+        <p:style>
+          <a:lnRef idx="1">
+            <a:schemeClr val="accent1"/>
+          </a:lnRef>
+          <a:fillRef idx="0">
+            <a:schemeClr val="accent1"/>
+          </a:fillRef>
+          <a:effectRef idx="0">
+            <a:schemeClr val="accent1"/>
+          </a:effectRef>
+          <a:fontRef idx="minor">
+            <a:schemeClr val="tx1"/>
+          </a:fontRef>
+        </p:style>
+      </p:cxnSp>
+      <p:cxnSp>
+        <p:nvCxnSpPr>
+          <p:cNvPr id="9" name="Straight Arrow Connector 8">
+            <a:extLst>
+              <a:ext uri="{FF2B5EF4-FFF2-40B4-BE49-F238E27FC236}">
+                <a16:creationId xmlns:a16="http://schemas.microsoft.com/office/drawing/2014/main" id="{ECACED6B-E786-38EF-7B46-175FBF7E9316}"/>
+              </a:ext>
+            </a:extLst>
+          </p:cNvPr>
+          <p:cNvCxnSpPr>
+            <a:cxnSpLocks/>
+          </p:cNvCxnSpPr>
+          <p:nvPr/>
+        </p:nvCxnSpPr>
+        <p:spPr>
+          <a:xfrm flipV="1">
+            <a:off x="4494290" y="2456415"/>
+            <a:ext cx="0" cy="3212232"/>
+          </a:xfrm>
+          <a:prstGeom prst="straightConnector1">
+            <a:avLst/>
+          </a:prstGeom>
+          <a:ln w="25400">
+            <a:tailEnd type="arrow" w="lg" len="lg"/>
+          </a:ln>
+        </p:spPr>
+        <p:style>
+          <a:lnRef idx="1">
+            <a:schemeClr val="accent1"/>
+          </a:lnRef>
+          <a:fillRef idx="0">
+            <a:schemeClr val="accent1"/>
+          </a:fillRef>
+          <a:effectRef idx="0">
+            <a:schemeClr val="accent1"/>
+          </a:effectRef>
+          <a:fontRef idx="minor">
+            <a:schemeClr val="tx1"/>
+          </a:fontRef>
+        </p:style>
+      </p:cxnSp>
+      <p:cxnSp>
+        <p:nvCxnSpPr>
+          <p:cNvPr id="12" name="Straight Arrow Connector 11">
+            <a:extLst>
+              <a:ext uri="{FF2B5EF4-FFF2-40B4-BE49-F238E27FC236}">
+                <a16:creationId xmlns:a16="http://schemas.microsoft.com/office/drawing/2014/main" id="{FA3493C2-9CEC-7694-D8FA-6259A34C139A}"/>
+              </a:ext>
+            </a:extLst>
+          </p:cNvPr>
+          <p:cNvCxnSpPr>
+            <a:cxnSpLocks/>
+            <a:endCxn id="16" idx="1"/>
+          </p:cNvCxnSpPr>
+          <p:nvPr/>
+        </p:nvCxnSpPr>
+        <p:spPr>
+          <a:xfrm flipV="1">
+            <a:off x="2932774" y="2111565"/>
+            <a:ext cx="804339" cy="197916"/>
+          </a:xfrm>
+          <a:prstGeom prst="straightConnector1">
+            <a:avLst/>
+          </a:prstGeom>
+          <a:ln w="25400">
+            <a:prstDash val="dash"/>
+            <a:tailEnd type="arrow" w="lg" len="lg"/>
+          </a:ln>
+        </p:spPr>
+        <p:style>
+          <a:lnRef idx="1">
+            <a:schemeClr val="accent1"/>
+          </a:lnRef>
+          <a:fillRef idx="0">
+            <a:schemeClr val="accent1"/>
+          </a:fillRef>
+          <a:effectRef idx="0">
+            <a:schemeClr val="accent1"/>
+          </a:effectRef>
+          <a:fontRef idx="minor">
+            <a:schemeClr val="tx1"/>
+          </a:fontRef>
+        </p:style>
+      </p:cxnSp>
+      <p:sp>
+        <p:nvSpPr>
+          <p:cNvPr id="16" name="Rectangle 15">
+            <a:extLst>
+              <a:ext uri="{FF2B5EF4-FFF2-40B4-BE49-F238E27FC236}">
+                <a16:creationId xmlns:a16="http://schemas.microsoft.com/office/drawing/2014/main" id="{CB7B2ED4-F8A1-0172-E36B-1FFA02A5D808}"/>
+              </a:ext>
+            </a:extLst>
+          </p:cNvPr>
+          <p:cNvSpPr/>
+          <p:nvPr/>
+        </p:nvSpPr>
+        <p:spPr>
+          <a:xfrm>
+            <a:off x="3737113" y="1820895"/>
+            <a:ext cx="957809" cy="581339"/>
+          </a:xfrm>
+          <a:prstGeom prst="rect">
+            <a:avLst/>
+          </a:prstGeom>
+        </p:spPr>
+        <p:style>
+          <a:lnRef idx="2">
+            <a:schemeClr val="accent1">
+              <a:shade val="50000"/>
+            </a:schemeClr>
+          </a:lnRef>
+          <a:fillRef idx="1">
+            <a:schemeClr val="accent1"/>
+          </a:fillRef>
+          <a:effectRef idx="0">
+            <a:schemeClr val="accent1"/>
+          </a:effectRef>
+          <a:fontRef idx="minor">
+            <a:schemeClr val="lt1"/>
+          </a:fontRef>
+        </p:style>
+        <p:txBody>
+          <a:bodyPr rtlCol="0" anchor="ctr"/>
+          <a:lstStyle/>
+          <a:p>
+            <a:pPr algn="ctr"/>
+            <a:r>
+              <a:rPr lang="fr-FR" dirty="0"/>
+              <a:t>Path</a:t>
+            </a:r>
+          </a:p>
+        </p:txBody>
+      </p:sp>
+      <p:cxnSp>
+        <p:nvCxnSpPr>
+          <p:cNvPr id="20" name="Straight Arrow Connector 19">
+            <a:extLst>
+              <a:ext uri="{FF2B5EF4-FFF2-40B4-BE49-F238E27FC236}">
+                <a16:creationId xmlns:a16="http://schemas.microsoft.com/office/drawing/2014/main" id="{3B0B8C78-FB8E-51C2-E08B-EB147E6F42B3}"/>
+              </a:ext>
+            </a:extLst>
+          </p:cNvPr>
+          <p:cNvCxnSpPr>
+            <a:cxnSpLocks/>
+          </p:cNvCxnSpPr>
+          <p:nvPr/>
+        </p:nvCxnSpPr>
+        <p:spPr>
+          <a:xfrm>
+            <a:off x="3113448" y="4123215"/>
+            <a:ext cx="409516" cy="1503430"/>
+          </a:xfrm>
+          <a:prstGeom prst="straightConnector1">
+            <a:avLst/>
+          </a:prstGeom>
+          <a:ln w="25400">
+            <a:prstDash val="dash"/>
+            <a:tailEnd type="arrow" w="lg" len="lg"/>
+          </a:ln>
+        </p:spPr>
+        <p:style>
+          <a:lnRef idx="1">
+            <a:schemeClr val="accent1"/>
+          </a:lnRef>
+          <a:fillRef idx="0">
+            <a:schemeClr val="accent1"/>
+          </a:fillRef>
+          <a:effectRef idx="0">
+            <a:schemeClr val="accent1"/>
+          </a:effectRef>
+          <a:fontRef idx="minor">
+            <a:schemeClr val="tx1"/>
+          </a:fontRef>
+        </p:style>
+      </p:cxnSp>
+      <p:sp>
+        <p:nvSpPr>
+          <p:cNvPr id="23" name="Rectangle 22">
+            <a:extLst>
+              <a:ext uri="{FF2B5EF4-FFF2-40B4-BE49-F238E27FC236}">
+                <a16:creationId xmlns:a16="http://schemas.microsoft.com/office/drawing/2014/main" id="{AFB8CEA3-4769-5C97-EB13-49A0C95485FE}"/>
+              </a:ext>
+            </a:extLst>
+          </p:cNvPr>
+          <p:cNvSpPr/>
+          <p:nvPr/>
+        </p:nvSpPr>
+        <p:spPr>
+          <a:xfrm>
+            <a:off x="2473933" y="5668647"/>
+            <a:ext cx="2528762" cy="581339"/>
+          </a:xfrm>
+          <a:prstGeom prst="rect">
+            <a:avLst/>
+          </a:prstGeom>
+        </p:spPr>
+        <p:style>
+          <a:lnRef idx="2">
+            <a:schemeClr val="accent1">
+              <a:shade val="50000"/>
+            </a:schemeClr>
+          </a:lnRef>
+          <a:fillRef idx="1">
+            <a:schemeClr val="accent1"/>
+          </a:fillRef>
+          <a:effectRef idx="0">
+            <a:schemeClr val="accent1"/>
+          </a:effectRef>
+          <a:fontRef idx="minor">
+            <a:schemeClr val="lt1"/>
+          </a:fontRef>
+        </p:style>
+        <p:txBody>
+          <a:bodyPr rtlCol="0" anchor="ctr"/>
+          <a:lstStyle/>
+          <a:p>
+            <a:pPr algn="ctr"/>
+            <a:r>
+              <a:rPr lang="fr-FR" dirty="0"/>
+              <a:t>Azure </a:t>
+            </a:r>
+            <a:r>
+              <a:rPr lang="fr-FR" dirty="0" err="1"/>
+              <a:t>FileInputStream</a:t>
+            </a:r>
+            <a:endParaRPr lang="fr-FR" dirty="0"/>
+          </a:p>
+        </p:txBody>
+      </p:sp>
+      <p:sp>
+        <p:nvSpPr>
+          <p:cNvPr id="25" name="Rectangle 24">
+            <a:extLst>
+              <a:ext uri="{FF2B5EF4-FFF2-40B4-BE49-F238E27FC236}">
+                <a16:creationId xmlns:a16="http://schemas.microsoft.com/office/drawing/2014/main" id="{95BA9E31-14B6-9C22-3063-94F910A55C78}"/>
+              </a:ext>
+            </a:extLst>
+          </p:cNvPr>
+          <p:cNvSpPr/>
+          <p:nvPr/>
+        </p:nvSpPr>
+        <p:spPr>
+          <a:xfrm>
+            <a:off x="6107617" y="2974088"/>
+            <a:ext cx="2220296" cy="581339"/>
+          </a:xfrm>
+          <a:prstGeom prst="rect">
+            <a:avLst/>
+          </a:prstGeom>
+        </p:spPr>
+        <p:style>
+          <a:lnRef idx="2">
+            <a:schemeClr val="accent1">
+              <a:shade val="50000"/>
+            </a:schemeClr>
+          </a:lnRef>
+          <a:fillRef idx="1">
+            <a:schemeClr val="accent1"/>
+          </a:fillRef>
+          <a:effectRef idx="0">
+            <a:schemeClr val="accent1"/>
+          </a:effectRef>
+          <a:fontRef idx="minor">
+            <a:schemeClr val="lt1"/>
+          </a:fontRef>
+        </p:style>
+        <p:txBody>
+          <a:bodyPr rtlCol="0" anchor="ctr"/>
+          <a:lstStyle/>
+          <a:p>
+            <a:pPr algn="ctr"/>
+            <a:r>
+              <a:rPr lang="fr-FR" dirty="0" err="1"/>
+              <a:t>AzureFileClient</a:t>
+            </a:r>
+            <a:endParaRPr lang="fr-FR" dirty="0"/>
+          </a:p>
+        </p:txBody>
+      </p:sp>
+      <p:cxnSp>
+        <p:nvCxnSpPr>
+          <p:cNvPr id="26" name="Straight Arrow Connector 25">
+            <a:extLst>
+              <a:ext uri="{FF2B5EF4-FFF2-40B4-BE49-F238E27FC236}">
+                <a16:creationId xmlns:a16="http://schemas.microsoft.com/office/drawing/2014/main" id="{D4ADAEB7-A61F-B959-0952-4841B07F1736}"/>
+              </a:ext>
+            </a:extLst>
+          </p:cNvPr>
+          <p:cNvCxnSpPr>
+            <a:cxnSpLocks/>
+            <a:endCxn id="25" idx="1"/>
+          </p:cNvCxnSpPr>
+          <p:nvPr/>
+        </p:nvCxnSpPr>
+        <p:spPr>
+          <a:xfrm flipV="1">
+            <a:off x="4694922" y="3264758"/>
+            <a:ext cx="1412695" cy="1486318"/>
+          </a:xfrm>
+          <a:prstGeom prst="straightConnector1">
+            <a:avLst/>
+          </a:prstGeom>
+          <a:ln w="25400">
+            <a:tailEnd type="arrow" w="lg" len="lg"/>
+          </a:ln>
+        </p:spPr>
+        <p:style>
+          <a:lnRef idx="1">
+            <a:schemeClr val="accent1"/>
+          </a:lnRef>
+          <a:fillRef idx="0">
+            <a:schemeClr val="accent1"/>
+          </a:fillRef>
+          <a:effectRef idx="0">
+            <a:schemeClr val="accent1"/>
+          </a:effectRef>
+          <a:fontRef idx="minor">
+            <a:schemeClr val="tx1"/>
+          </a:fontRef>
+        </p:style>
+      </p:cxnSp>
+      <p:cxnSp>
+        <p:nvCxnSpPr>
+          <p:cNvPr id="29" name="Straight Arrow Connector 28">
+            <a:extLst>
+              <a:ext uri="{FF2B5EF4-FFF2-40B4-BE49-F238E27FC236}">
+                <a16:creationId xmlns:a16="http://schemas.microsoft.com/office/drawing/2014/main" id="{02908E0C-7B6C-4137-FBD6-520BA92D8D28}"/>
+              </a:ext>
+            </a:extLst>
+          </p:cNvPr>
+          <p:cNvCxnSpPr>
+            <a:cxnSpLocks/>
+          </p:cNvCxnSpPr>
+          <p:nvPr/>
+        </p:nvCxnSpPr>
+        <p:spPr>
+          <a:xfrm flipV="1">
+            <a:off x="5104933" y="3511741"/>
+            <a:ext cx="1011486" cy="2300028"/>
+          </a:xfrm>
+          <a:prstGeom prst="straightConnector1">
+            <a:avLst/>
+          </a:prstGeom>
+          <a:ln w="25400">
+            <a:tailEnd type="arrow" w="lg" len="lg"/>
+          </a:ln>
+        </p:spPr>
+        <p:style>
+          <a:lnRef idx="1">
+            <a:schemeClr val="accent1"/>
+          </a:lnRef>
+          <a:fillRef idx="0">
+            <a:schemeClr val="accent1"/>
+          </a:fillRef>
+          <a:effectRef idx="0">
+            <a:schemeClr val="accent1"/>
+          </a:effectRef>
+          <a:fontRef idx="minor">
+            <a:schemeClr val="tx1"/>
+          </a:fontRef>
+        </p:style>
+      </p:cxnSp>
+      <p:cxnSp>
+        <p:nvCxnSpPr>
+          <p:cNvPr id="33" name="Straight Arrow Connector 32">
+            <a:extLst>
+              <a:ext uri="{FF2B5EF4-FFF2-40B4-BE49-F238E27FC236}">
+                <a16:creationId xmlns:a16="http://schemas.microsoft.com/office/drawing/2014/main" id="{3DE30E31-D409-B44A-692A-ADE7E0856FBD}"/>
+              </a:ext>
+            </a:extLst>
+          </p:cNvPr>
+          <p:cNvCxnSpPr>
+            <a:cxnSpLocks/>
+          </p:cNvCxnSpPr>
+          <p:nvPr/>
+        </p:nvCxnSpPr>
+        <p:spPr>
+          <a:xfrm flipV="1">
+            <a:off x="4366200" y="2456415"/>
+            <a:ext cx="0" cy="2286290"/>
+          </a:xfrm>
+          <a:prstGeom prst="straightConnector1">
+            <a:avLst/>
+          </a:prstGeom>
+          <a:ln w="25400">
+            <a:tailEnd type="arrow" w="lg" len="lg"/>
+          </a:ln>
+        </p:spPr>
+        <p:style>
+          <a:lnRef idx="1">
+            <a:schemeClr val="accent1"/>
+          </a:lnRef>
+          <a:fillRef idx="0">
+            <a:schemeClr val="accent1"/>
+          </a:fillRef>
+          <a:effectRef idx="0">
+            <a:schemeClr val="accent1"/>
+          </a:effectRef>
+          <a:fontRef idx="minor">
+            <a:schemeClr val="tx1"/>
+          </a:fontRef>
+        </p:style>
+      </p:cxnSp>
+      <p:cxnSp>
+        <p:nvCxnSpPr>
+          <p:cNvPr id="35" name="Straight Arrow Connector 34">
+            <a:extLst>
+              <a:ext uri="{FF2B5EF4-FFF2-40B4-BE49-F238E27FC236}">
+                <a16:creationId xmlns:a16="http://schemas.microsoft.com/office/drawing/2014/main" id="{DFF01761-8F01-A250-8B3B-983C26BB51F0}"/>
+              </a:ext>
+            </a:extLst>
+          </p:cNvPr>
+          <p:cNvCxnSpPr>
+            <a:cxnSpLocks/>
+            <a:endCxn id="15" idx="2"/>
+          </p:cNvCxnSpPr>
+          <p:nvPr/>
+        </p:nvCxnSpPr>
+        <p:spPr>
+          <a:xfrm flipV="1">
+            <a:off x="6813638" y="2603350"/>
+            <a:ext cx="7640" cy="331323"/>
+          </a:xfrm>
+          <a:prstGeom prst="straightConnector1">
+            <a:avLst/>
+          </a:prstGeom>
+          <a:ln w="25400">
+            <a:tailEnd type="arrow" w="lg" len="lg"/>
+          </a:ln>
+        </p:spPr>
+        <p:style>
+          <a:lnRef idx="1">
+            <a:schemeClr val="accent1"/>
+          </a:lnRef>
+          <a:fillRef idx="0">
+            <a:schemeClr val="accent1"/>
+          </a:fillRef>
+          <a:effectRef idx="0">
+            <a:schemeClr val="accent1"/>
+          </a:effectRef>
+          <a:fontRef idx="minor">
+            <a:schemeClr val="tx1"/>
+          </a:fontRef>
+        </p:style>
+      </p:cxnSp>
+      <p:cxnSp>
+        <p:nvCxnSpPr>
+          <p:cNvPr id="38" name="Straight Arrow Connector 37">
+            <a:extLst>
+              <a:ext uri="{FF2B5EF4-FFF2-40B4-BE49-F238E27FC236}">
+                <a16:creationId xmlns:a16="http://schemas.microsoft.com/office/drawing/2014/main" id="{97F2BE02-E155-6543-E66B-57645165EFE7}"/>
+              </a:ext>
+            </a:extLst>
+          </p:cNvPr>
+          <p:cNvCxnSpPr>
+            <a:cxnSpLocks/>
+          </p:cNvCxnSpPr>
+          <p:nvPr/>
+        </p:nvCxnSpPr>
+        <p:spPr>
+          <a:xfrm>
+            <a:off x="7931426" y="2233227"/>
+            <a:ext cx="1257453" cy="4972"/>
+          </a:xfrm>
+          <a:prstGeom prst="straightConnector1">
+            <a:avLst/>
+          </a:prstGeom>
+          <a:ln w="25400">
+            <a:tailEnd type="arrow" w="lg" len="lg"/>
+          </a:ln>
+        </p:spPr>
+        <p:style>
+          <a:lnRef idx="1">
+            <a:schemeClr val="accent1"/>
+          </a:lnRef>
+          <a:fillRef idx="0">
+            <a:schemeClr val="accent1"/>
+          </a:fillRef>
+          <a:effectRef idx="0">
+            <a:schemeClr val="accent1"/>
+          </a:effectRef>
+          <a:fontRef idx="minor">
+            <a:schemeClr val="tx1"/>
+          </a:fontRef>
+        </p:style>
+      </p:cxnSp>
+      <p:sp>
+        <p:nvSpPr>
+          <p:cNvPr id="40" name="Rectangle 39">
+            <a:extLst>
+              <a:ext uri="{FF2B5EF4-FFF2-40B4-BE49-F238E27FC236}">
+                <a16:creationId xmlns:a16="http://schemas.microsoft.com/office/drawing/2014/main" id="{63ED5620-5304-F2C1-4725-8733B8CE4233}"/>
+              </a:ext>
+            </a:extLst>
+          </p:cNvPr>
+          <p:cNvSpPr/>
+          <p:nvPr/>
+        </p:nvSpPr>
+        <p:spPr>
+          <a:xfrm>
+            <a:off x="9188879" y="2022866"/>
+            <a:ext cx="1576358" cy="581339"/>
+          </a:xfrm>
+          <a:prstGeom prst="rect">
+            <a:avLst/>
+          </a:prstGeom>
+        </p:spPr>
+        <p:style>
+          <a:lnRef idx="2">
+            <a:schemeClr val="accent1">
+              <a:shade val="50000"/>
+            </a:schemeClr>
+          </a:lnRef>
+          <a:fillRef idx="1">
+            <a:schemeClr val="accent1"/>
+          </a:fillRef>
+          <a:effectRef idx="0">
+            <a:schemeClr val="accent1"/>
+          </a:effectRef>
+          <a:fontRef idx="minor">
+            <a:schemeClr val="lt1"/>
+          </a:fontRef>
+        </p:style>
+        <p:txBody>
+          <a:bodyPr rtlCol="0" anchor="ctr"/>
+          <a:lstStyle/>
+          <a:p>
+            <a:pPr algn="ctr"/>
+            <a:r>
+              <a:rPr lang="fr-FR" dirty="0" err="1"/>
+              <a:t>HttpClient</a:t>
+            </a:r>
+            <a:endParaRPr lang="fr-FR" dirty="0"/>
+          </a:p>
+        </p:txBody>
+      </p:sp>
+      <p:sp>
+        <p:nvSpPr>
+          <p:cNvPr id="41" name="Rectangle 40">
+            <a:extLst>
+              <a:ext uri="{FF2B5EF4-FFF2-40B4-BE49-F238E27FC236}">
+                <a16:creationId xmlns:a16="http://schemas.microsoft.com/office/drawing/2014/main" id="{B3F0FE37-EC14-659E-3B94-E4820C4D9668}"/>
+              </a:ext>
+            </a:extLst>
+          </p:cNvPr>
+          <p:cNvSpPr/>
+          <p:nvPr/>
+        </p:nvSpPr>
+        <p:spPr>
+          <a:xfrm>
+            <a:off x="8881594" y="2876484"/>
+            <a:ext cx="1844371" cy="581339"/>
+          </a:xfrm>
+          <a:prstGeom prst="rect">
+            <a:avLst/>
+          </a:prstGeom>
+        </p:spPr>
+        <p:style>
+          <a:lnRef idx="2">
+            <a:schemeClr val="accent1">
+              <a:shade val="50000"/>
+            </a:schemeClr>
+          </a:lnRef>
+          <a:fillRef idx="1">
+            <a:schemeClr val="accent1"/>
+          </a:fillRef>
+          <a:effectRef idx="0">
+            <a:schemeClr val="accent1"/>
+          </a:effectRef>
+          <a:fontRef idx="minor">
+            <a:schemeClr val="lt1"/>
+          </a:fontRef>
+        </p:style>
+        <p:txBody>
+          <a:bodyPr rtlCol="0" anchor="ctr"/>
+          <a:lstStyle/>
+          <a:p>
+            <a:pPr algn="ctr"/>
+            <a:r>
+              <a:rPr lang="fr-FR" dirty="0" err="1"/>
+              <a:t>OkHttpHttpClient</a:t>
+            </a:r>
+            <a:endParaRPr lang="fr-FR" dirty="0"/>
+          </a:p>
+        </p:txBody>
+      </p:sp>
+      <p:sp>
+        <p:nvSpPr>
+          <p:cNvPr id="42" name="Rectangle 41">
+            <a:extLst>
+              <a:ext uri="{FF2B5EF4-FFF2-40B4-BE49-F238E27FC236}">
+                <a16:creationId xmlns:a16="http://schemas.microsoft.com/office/drawing/2014/main" id="{18CE80E2-01EF-720C-FB75-97F531F00470}"/>
+              </a:ext>
+            </a:extLst>
+          </p:cNvPr>
+          <p:cNvSpPr/>
+          <p:nvPr/>
+        </p:nvSpPr>
+        <p:spPr>
+          <a:xfrm>
+            <a:off x="9875891" y="3514769"/>
+            <a:ext cx="1778692" cy="581339"/>
+          </a:xfrm>
+          <a:prstGeom prst="rect">
+            <a:avLst/>
+          </a:prstGeom>
+        </p:spPr>
+        <p:style>
+          <a:lnRef idx="2">
+            <a:schemeClr val="accent1">
+              <a:shade val="50000"/>
+            </a:schemeClr>
+          </a:lnRef>
+          <a:fillRef idx="1">
+            <a:schemeClr val="accent1"/>
+          </a:fillRef>
+          <a:effectRef idx="0">
+            <a:schemeClr val="accent1"/>
+          </a:effectRef>
+          <a:fontRef idx="minor">
+            <a:schemeClr val="lt1"/>
+          </a:fontRef>
+        </p:style>
+        <p:txBody>
+          <a:bodyPr rtlCol="0" anchor="ctr"/>
+          <a:lstStyle/>
+          <a:p>
+            <a:pPr algn="ctr"/>
+            <a:r>
+              <a:rPr lang="fr-FR" dirty="0" err="1"/>
+              <a:t>NettyHttpClient</a:t>
+            </a:r>
+            <a:endParaRPr lang="fr-FR" dirty="0"/>
+          </a:p>
+        </p:txBody>
+      </p:sp>
+      <p:cxnSp>
+        <p:nvCxnSpPr>
+          <p:cNvPr id="43" name="Straight Arrow Connector 42">
+            <a:extLst>
+              <a:ext uri="{FF2B5EF4-FFF2-40B4-BE49-F238E27FC236}">
+                <a16:creationId xmlns:a16="http://schemas.microsoft.com/office/drawing/2014/main" id="{287B7C00-4AAC-BEE0-7B07-0A1E9E2FCED3}"/>
+              </a:ext>
+            </a:extLst>
+          </p:cNvPr>
+          <p:cNvCxnSpPr>
+            <a:cxnSpLocks/>
+            <a:stCxn id="41" idx="0"/>
+            <a:endCxn id="40" idx="2"/>
+          </p:cNvCxnSpPr>
+          <p:nvPr/>
+        </p:nvCxnSpPr>
+        <p:spPr>
+          <a:xfrm flipV="1">
+            <a:off x="9803780" y="2604205"/>
+            <a:ext cx="173278" cy="272279"/>
+          </a:xfrm>
+          <a:prstGeom prst="straightConnector1">
+            <a:avLst/>
+          </a:prstGeom>
+          <a:ln w="25400">
+            <a:tailEnd type="triangle" w="lg" len="lg"/>
+          </a:ln>
+        </p:spPr>
+        <p:style>
+          <a:lnRef idx="1">
+            <a:schemeClr val="accent1"/>
+          </a:lnRef>
+          <a:fillRef idx="0">
+            <a:schemeClr val="accent1"/>
+          </a:fillRef>
+          <a:effectRef idx="0">
+            <a:schemeClr val="accent1"/>
+          </a:effectRef>
+          <a:fontRef idx="minor">
+            <a:schemeClr val="tx1"/>
+          </a:fontRef>
+        </p:style>
+      </p:cxnSp>
+      <p:cxnSp>
+        <p:nvCxnSpPr>
+          <p:cNvPr id="46" name="Straight Arrow Connector 45">
+            <a:extLst>
+              <a:ext uri="{FF2B5EF4-FFF2-40B4-BE49-F238E27FC236}">
+                <a16:creationId xmlns:a16="http://schemas.microsoft.com/office/drawing/2014/main" id="{1BD33581-3914-4361-C5EA-F41B5B02319D}"/>
+              </a:ext>
+            </a:extLst>
+          </p:cNvPr>
+          <p:cNvCxnSpPr>
+            <a:cxnSpLocks/>
+          </p:cNvCxnSpPr>
+          <p:nvPr/>
+        </p:nvCxnSpPr>
+        <p:spPr>
+          <a:xfrm flipH="1" flipV="1">
+            <a:off x="10405897" y="2619511"/>
+            <a:ext cx="768856" cy="870197"/>
+          </a:xfrm>
+          <a:prstGeom prst="straightConnector1">
+            <a:avLst/>
+          </a:prstGeom>
+          <a:ln w="25400">
+            <a:tailEnd type="triangle" w="lg" len="lg"/>
+          </a:ln>
+        </p:spPr>
+        <p:style>
+          <a:lnRef idx="1">
+            <a:schemeClr val="accent1"/>
+          </a:lnRef>
+          <a:fillRef idx="0">
+            <a:schemeClr val="accent1"/>
+          </a:fillRef>
+          <a:effectRef idx="0">
+            <a:schemeClr val="accent1"/>
+          </a:effectRef>
+          <a:fontRef idx="minor">
+            <a:schemeClr val="tx1"/>
+          </a:fontRef>
+        </p:style>
+      </p:cxnSp>
     </p:spTree>
     <p:extLst>
       <p:ext uri="{BB962C8B-B14F-4D97-AF65-F5344CB8AC3E}">
@@ -9481,7 +10388,7 @@
         <p:spPr>
           <a:xfrm>
             <a:off x="1098274" y="5426765"/>
-            <a:ext cx="5075557" cy="923330"/>
+            <a:ext cx="5075557" cy="1200329"/>
           </a:xfrm>
           <a:prstGeom prst="rect">
             <a:avLst/>
@@ -9528,6 +10435,21 @@
               <a:rPr lang="fr-FR" dirty="0"/>
               <a:t> bytes</a:t>
             </a:r>
+          </a:p>
+          <a:p>
+            <a:r>
+              <a:rPr lang="fr-FR" dirty="0" err="1"/>
+              <a:t>Both</a:t>
+            </a:r>
+            <a:r>
+              <a:rPr lang="fr-FR" dirty="0"/>
+              <a:t> File and Directory are </a:t>
+            </a:r>
+            <a:r>
+              <a:rPr lang="fr-FR" dirty="0" err="1"/>
+              <a:t>INodes</a:t>
+            </a:r>
+            <a:endParaRPr lang="fr-FR" dirty="0"/>
           </a:p>
           <a:p>
             <a:r>

--- a/java/TP-design-patterns/handson-1-design-patterns.pptx
+++ b/java/TP-design-patterns/handson-1-design-patterns.pptx
@@ -27,6 +27,7 @@
     <p:sldId id="263" r:id="rId21"/>
     <p:sldId id="293" r:id="rId22"/>
     <p:sldId id="265" r:id="rId23"/>
+    <p:sldId id="294" r:id="rId24"/>
   </p:sldIdLst>
   <p:sldSz cx="12192000" cy="6858000"/>
   <p:notesSz cx="6858000" cy="9144000"/>
@@ -282,7 +283,7 @@
           <a:p>
             <a:fld id="{813DCEE4-5C03-4FD4-A907-F816265DCF1B}" type="datetimeFigureOut">
               <a:rPr lang="fr-FR" smtClean="0"/>
-              <a:t>02/02/2023</a:t>
+              <a:t>23/02/2023</a:t>
             </a:fld>
             <a:endParaRPr lang="fr-FR"/>
           </a:p>
@@ -482,7 +483,7 @@
           <a:p>
             <a:fld id="{813DCEE4-5C03-4FD4-A907-F816265DCF1B}" type="datetimeFigureOut">
               <a:rPr lang="fr-FR" smtClean="0"/>
-              <a:t>02/02/2023</a:t>
+              <a:t>23/02/2023</a:t>
             </a:fld>
             <a:endParaRPr lang="fr-FR"/>
           </a:p>
@@ -692,7 +693,7 @@
           <a:p>
             <a:fld id="{813DCEE4-5C03-4FD4-A907-F816265DCF1B}" type="datetimeFigureOut">
               <a:rPr lang="fr-FR" smtClean="0"/>
-              <a:t>02/02/2023</a:t>
+              <a:t>23/02/2023</a:t>
             </a:fld>
             <a:endParaRPr lang="fr-FR"/>
           </a:p>
@@ -892,7 +893,7 @@
           <a:p>
             <a:fld id="{813DCEE4-5C03-4FD4-A907-F816265DCF1B}" type="datetimeFigureOut">
               <a:rPr lang="fr-FR" smtClean="0"/>
-              <a:t>02/02/2023</a:t>
+              <a:t>23/02/2023</a:t>
             </a:fld>
             <a:endParaRPr lang="fr-FR"/>
           </a:p>
@@ -1168,7 +1169,7 @@
           <a:p>
             <a:fld id="{813DCEE4-5C03-4FD4-A907-F816265DCF1B}" type="datetimeFigureOut">
               <a:rPr lang="fr-FR" smtClean="0"/>
-              <a:t>02/02/2023</a:t>
+              <a:t>23/02/2023</a:t>
             </a:fld>
             <a:endParaRPr lang="fr-FR"/>
           </a:p>
@@ -1436,7 +1437,7 @@
           <a:p>
             <a:fld id="{813DCEE4-5C03-4FD4-A907-F816265DCF1B}" type="datetimeFigureOut">
               <a:rPr lang="fr-FR" smtClean="0"/>
-              <a:t>02/02/2023</a:t>
+              <a:t>23/02/2023</a:t>
             </a:fld>
             <a:endParaRPr lang="fr-FR"/>
           </a:p>
@@ -1851,7 +1852,7 @@
           <a:p>
             <a:fld id="{813DCEE4-5C03-4FD4-A907-F816265DCF1B}" type="datetimeFigureOut">
               <a:rPr lang="fr-FR" smtClean="0"/>
-              <a:t>02/02/2023</a:t>
+              <a:t>23/02/2023</a:t>
             </a:fld>
             <a:endParaRPr lang="fr-FR"/>
           </a:p>
@@ -1993,7 +1994,7 @@
           <a:p>
             <a:fld id="{813DCEE4-5C03-4FD4-A907-F816265DCF1B}" type="datetimeFigureOut">
               <a:rPr lang="fr-FR" smtClean="0"/>
-              <a:t>02/02/2023</a:t>
+              <a:t>23/02/2023</a:t>
             </a:fld>
             <a:endParaRPr lang="fr-FR"/>
           </a:p>
@@ -2106,7 +2107,7 @@
           <a:p>
             <a:fld id="{813DCEE4-5C03-4FD4-A907-F816265DCF1B}" type="datetimeFigureOut">
               <a:rPr lang="fr-FR" smtClean="0"/>
-              <a:t>02/02/2023</a:t>
+              <a:t>23/02/2023</a:t>
             </a:fld>
             <a:endParaRPr lang="fr-FR"/>
           </a:p>
@@ -2419,7 +2420,7 @@
           <a:p>
             <a:fld id="{813DCEE4-5C03-4FD4-A907-F816265DCF1B}" type="datetimeFigureOut">
               <a:rPr lang="fr-FR" smtClean="0"/>
-              <a:t>02/02/2023</a:t>
+              <a:t>23/02/2023</a:t>
             </a:fld>
             <a:endParaRPr lang="fr-FR"/>
           </a:p>
@@ -2708,7 +2709,7 @@
           <a:p>
             <a:fld id="{813DCEE4-5C03-4FD4-A907-F816265DCF1B}" type="datetimeFigureOut">
               <a:rPr lang="fr-FR" smtClean="0"/>
-              <a:t>02/02/2023</a:t>
+              <a:t>23/02/2023</a:t>
             </a:fld>
             <a:endParaRPr lang="fr-FR"/>
           </a:p>
@@ -2951,7 +2952,7 @@
           <a:p>
             <a:fld id="{813DCEE4-5C03-4FD4-A907-F816265DCF1B}" type="datetimeFigureOut">
               <a:rPr lang="fr-FR" smtClean="0"/>
-              <a:t>02/02/2023</a:t>
+              <a:t>23/02/2023</a:t>
             </a:fld>
             <a:endParaRPr lang="fr-FR"/>
           </a:p>
@@ -10137,7 +10138,207 @@
           <a:lstStyle/>
           <a:p>
             <a:pPr algn="ctr"/>
-            <a:endParaRPr lang="fr-FR" dirty="0"/>
+            <a:r>
+              <a:rPr lang="fr-FR" dirty="0" err="1"/>
+              <a:t>Exercise</a:t>
+            </a:r>
+            <a:r>
+              <a:rPr lang="fr-FR" dirty="0"/>
+              <a:t> … </a:t>
+            </a:r>
+          </a:p>
+        </p:txBody>
+      </p:sp>
+      <p:sp>
+        <p:nvSpPr>
+          <p:cNvPr id="3" name="TextBox 2">
+            <a:extLst>
+              <a:ext uri="{FF2B5EF4-FFF2-40B4-BE49-F238E27FC236}">
+                <a16:creationId xmlns:a16="http://schemas.microsoft.com/office/drawing/2014/main" id="{53A538C0-5C7F-7BE9-0271-189FE6476572}"/>
+              </a:ext>
+            </a:extLst>
+          </p:cNvPr>
+          <p:cNvSpPr txBox="1"/>
+          <p:nvPr/>
+        </p:nvSpPr>
+        <p:spPr>
+          <a:xfrm>
+            <a:off x="2674961" y="1528549"/>
+            <a:ext cx="8024884" cy="2862322"/>
+          </a:xfrm>
+          <a:prstGeom prst="rect">
+            <a:avLst/>
+          </a:prstGeom>
+          <a:noFill/>
+        </p:spPr>
+        <p:txBody>
+          <a:bodyPr wrap="square" rtlCol="0">
+            <a:spAutoFit/>
+          </a:bodyPr>
+          <a:lstStyle/>
+          <a:p>
+            <a:r>
+              <a:rPr lang="fr-FR" sz="2000" dirty="0" err="1"/>
+              <a:t>Implements</a:t>
+            </a:r>
+            <a:r>
+              <a:rPr lang="fr-FR" sz="2000" dirty="0"/>
+              <a:t> in Java</a:t>
+            </a:r>
+          </a:p>
+          <a:p>
+            <a:endParaRPr lang="fr-FR" sz="2000" dirty="0"/>
+          </a:p>
+          <a:p>
+            <a:r>
+              <a:rPr lang="fr-FR" sz="2000" dirty="0"/>
+              <a:t>abstract class </a:t>
+            </a:r>
+            <a:r>
+              <a:rPr lang="fr-FR" sz="2000" dirty="0" err="1"/>
+              <a:t>INodeDTO</a:t>
+            </a:r>
+            <a:r>
+              <a:rPr lang="fr-FR" sz="2000" dirty="0"/>
+              <a:t>  {.. }</a:t>
+            </a:r>
+          </a:p>
+          <a:p>
+            <a:r>
+              <a:rPr lang="fr-FR" sz="2000" dirty="0"/>
+              <a:t>class </a:t>
+            </a:r>
+            <a:r>
+              <a:rPr lang="fr-FR" sz="2000" dirty="0" err="1"/>
+              <a:t>FileDTO</a:t>
+            </a:r>
+            <a:r>
+              <a:rPr lang="fr-FR" sz="2000" dirty="0"/>
+              <a:t> </a:t>
+            </a:r>
+            <a:r>
+              <a:rPr lang="fr-FR" sz="2000" dirty="0" err="1"/>
+              <a:t>extends</a:t>
+            </a:r>
+            <a:r>
+              <a:rPr lang="fr-FR" sz="2000" dirty="0"/>
+              <a:t> </a:t>
+            </a:r>
+            <a:r>
+              <a:rPr lang="fr-FR" sz="2000" dirty="0" err="1"/>
+              <a:t>INodeDTO</a:t>
+            </a:r>
+            <a:r>
+              <a:rPr lang="fr-FR" sz="2000" dirty="0"/>
+              <a:t> { … }</a:t>
+            </a:r>
+          </a:p>
+          <a:p>
+            <a:r>
+              <a:rPr lang="fr-FR" sz="2000" dirty="0"/>
+              <a:t>class </a:t>
+            </a:r>
+            <a:r>
+              <a:rPr lang="fr-FR" sz="2000" dirty="0" err="1"/>
+              <a:t>DirDTO</a:t>
+            </a:r>
+            <a:r>
+              <a:rPr lang="fr-FR" sz="2000" dirty="0"/>
+              <a:t> </a:t>
+            </a:r>
+            <a:r>
+              <a:rPr lang="fr-FR" sz="2000" dirty="0" err="1"/>
+              <a:t>extends</a:t>
+            </a:r>
+            <a:r>
+              <a:rPr lang="fr-FR" sz="2000" dirty="0"/>
+              <a:t> </a:t>
+            </a:r>
+            <a:r>
+              <a:rPr lang="fr-FR" sz="2000" dirty="0" err="1"/>
+              <a:t>INodeDTO</a:t>
+            </a:r>
+            <a:r>
+              <a:rPr lang="fr-FR" sz="2000" dirty="0"/>
+              <a:t> { … }</a:t>
+            </a:r>
+          </a:p>
+          <a:p>
+            <a:r>
+              <a:rPr lang="fr-FR" sz="2000" dirty="0"/>
+              <a:t>Etc…</a:t>
+            </a:r>
+          </a:p>
+          <a:p>
+            <a:endParaRPr lang="fr-FR" sz="2000" dirty="0"/>
+          </a:p>
+          <a:p>
+            <a:r>
+              <a:rPr lang="fr-FR" sz="2000" dirty="0"/>
+              <a:t>So as to </a:t>
+            </a:r>
+            <a:r>
+              <a:rPr lang="fr-FR" sz="2000" dirty="0" err="1"/>
+              <a:t>describe</a:t>
+            </a:r>
+            <a:r>
+              <a:rPr lang="fr-FR" sz="2000" dirty="0"/>
+              <a:t> </a:t>
+            </a:r>
+            <a:r>
+              <a:rPr lang="fr-FR" sz="2000" dirty="0" err="1"/>
+              <a:t>some</a:t>
+            </a:r>
+            <a:r>
+              <a:rPr lang="fr-FR" sz="2000" dirty="0"/>
+              <a:t> filesystem data </a:t>
+            </a:r>
+            <a:r>
+              <a:rPr lang="fr-FR" sz="2000" dirty="0" err="1"/>
+              <a:t>using</a:t>
+            </a:r>
+            <a:r>
+              <a:rPr lang="fr-FR" sz="2000" dirty="0"/>
+              <a:t> POJO classes </a:t>
+            </a:r>
+          </a:p>
+          <a:p>
+            <a:r>
+              <a:rPr lang="fr-FR" sz="2000" dirty="0"/>
+              <a:t>(to </a:t>
+            </a:r>
+            <a:r>
+              <a:rPr lang="fr-FR" sz="2000" dirty="0" err="1"/>
+              <a:t>be</a:t>
+            </a:r>
+            <a:r>
+              <a:rPr lang="fr-FR" sz="2000" dirty="0"/>
+              <a:t> </a:t>
+            </a:r>
+            <a:r>
+              <a:rPr lang="fr-FR" sz="2000" dirty="0" err="1"/>
+              <a:t>serializable</a:t>
+            </a:r>
+            <a:r>
+              <a:rPr lang="fr-FR" sz="2000" dirty="0"/>
+              <a:t> on </a:t>
+            </a:r>
+            <a:r>
+              <a:rPr lang="fr-FR" sz="2000" dirty="0" err="1"/>
+              <a:t>Json</a:t>
+            </a:r>
+            <a:r>
+              <a:rPr lang="fr-FR" sz="2000" dirty="0"/>
+              <a:t>, to </a:t>
+            </a:r>
+            <a:r>
+              <a:rPr lang="fr-FR" sz="2000" dirty="0" err="1"/>
+              <a:t>get</a:t>
+            </a:r>
+            <a:r>
+              <a:rPr lang="fr-FR" sz="2000" dirty="0"/>
+              <a:t> data over a http web page )</a:t>
+            </a:r>
           </a:p>
         </p:txBody>
       </p:sp>
@@ -10145,6 +10346,184 @@
     <p:extLst>
       <p:ext uri="{BB962C8B-B14F-4D97-AF65-F5344CB8AC3E}">
         <p14:creationId xmlns:p14="http://schemas.microsoft.com/office/powerpoint/2010/main" val="3182144425"/>
+      </p:ext>
+    </p:extLst>
+  </p:cSld>
+  <p:clrMapOvr>
+    <a:masterClrMapping/>
+  </p:clrMapOvr>
+</p:sld>
+</file>
+
+<file path=ppt/slides/slide23.xml><?xml version="1.0" encoding="utf-8"?>
+<p:sld xmlns:a="http://schemas.openxmlformats.org/drawingml/2006/main" xmlns:r="http://schemas.openxmlformats.org/officeDocument/2006/relationships" xmlns:p="http://schemas.openxmlformats.org/presentationml/2006/main">
+  <p:cSld>
+    <p:spTree>
+      <p:nvGrpSpPr>
+        <p:cNvPr id="1" name=""/>
+        <p:cNvGrpSpPr/>
+        <p:nvPr/>
+      </p:nvGrpSpPr>
+      <p:grpSpPr>
+        <a:xfrm>
+          <a:off x="0" y="0"/>
+          <a:ext cx="0" cy="0"/>
+          <a:chOff x="0" y="0"/>
+          <a:chExt cx="0" cy="0"/>
+        </a:xfrm>
+      </p:grpSpPr>
+      <p:sp>
+        <p:nvSpPr>
+          <p:cNvPr id="2" name="Title 1">
+            <a:extLst>
+              <a:ext uri="{FF2B5EF4-FFF2-40B4-BE49-F238E27FC236}">
+                <a16:creationId xmlns:a16="http://schemas.microsoft.com/office/drawing/2014/main" id="{EB593BC4-B6AD-DEC2-5141-6CD08ADDF2BD}"/>
+              </a:ext>
+            </a:extLst>
+          </p:cNvPr>
+          <p:cNvSpPr>
+            <a:spLocks noGrp="1"/>
+          </p:cNvSpPr>
+          <p:nvPr>
+            <p:ph type="title"/>
+          </p:nvPr>
+        </p:nvSpPr>
+        <p:spPr/>
+        <p:txBody>
+          <a:bodyPr/>
+          <a:lstStyle/>
+          <a:p>
+            <a:pPr algn="ctr"/>
+            <a:r>
+              <a:rPr lang="fr-FR" dirty="0" err="1"/>
+              <a:t>Exercise</a:t>
+            </a:r>
+            <a:r>
+              <a:rPr lang="fr-FR" dirty="0"/>
+              <a:t> …</a:t>
+            </a:r>
+          </a:p>
+        </p:txBody>
+      </p:sp>
+      <p:sp>
+        <p:nvSpPr>
+          <p:cNvPr id="4" name="TextBox 3">
+            <a:extLst>
+              <a:ext uri="{FF2B5EF4-FFF2-40B4-BE49-F238E27FC236}">
+                <a16:creationId xmlns:a16="http://schemas.microsoft.com/office/drawing/2014/main" id="{7EA37037-17F8-D241-EC55-481AAE66BECE}"/>
+              </a:ext>
+            </a:extLst>
+          </p:cNvPr>
+          <p:cNvSpPr txBox="1"/>
+          <p:nvPr/>
+        </p:nvSpPr>
+        <p:spPr>
+          <a:xfrm>
+            <a:off x="3261815" y="2179093"/>
+            <a:ext cx="5049139" cy="2031325"/>
+          </a:xfrm>
+          <a:prstGeom prst="rect">
+            <a:avLst/>
+          </a:prstGeom>
+          <a:noFill/>
+        </p:spPr>
+        <p:txBody>
+          <a:bodyPr wrap="none" rtlCol="0">
+            <a:spAutoFit/>
+          </a:bodyPr>
+          <a:lstStyle/>
+          <a:p>
+            <a:r>
+              <a:rPr lang="fr-FR" dirty="0" err="1"/>
+              <a:t>Implement</a:t>
+            </a:r>
+            <a:r>
+              <a:rPr lang="fr-FR" dirty="0"/>
+              <a:t> the </a:t>
+            </a:r>
+            <a:r>
+              <a:rPr lang="fr-FR" dirty="0" err="1"/>
+              <a:t>builder</a:t>
+            </a:r>
+            <a:r>
+              <a:rPr lang="fr-FR" dirty="0"/>
+              <a:t> of DTO </a:t>
+            </a:r>
+            <a:r>
+              <a:rPr lang="fr-FR" dirty="0" err="1"/>
+              <a:t>using</a:t>
+            </a:r>
+            <a:r>
+              <a:rPr lang="fr-FR" dirty="0"/>
+              <a:t> real </a:t>
+            </a:r>
+            <a:r>
+              <a:rPr lang="fr-FR" dirty="0" err="1"/>
+              <a:t>java.io.File</a:t>
+            </a:r>
+            <a:r>
+              <a:rPr lang="fr-FR" dirty="0"/>
+              <a:t> </a:t>
+            </a:r>
+          </a:p>
+          <a:p>
+            <a:r>
+              <a:rPr lang="fr-FR" dirty="0" err="1"/>
+              <a:t>Implement</a:t>
+            </a:r>
+            <a:r>
+              <a:rPr lang="fr-FR" dirty="0"/>
+              <a:t> a </a:t>
+            </a:r>
+            <a:r>
+              <a:rPr lang="fr-FR" dirty="0" err="1"/>
+              <a:t>Factory</a:t>
+            </a:r>
+            <a:endParaRPr lang="fr-FR" dirty="0"/>
+          </a:p>
+          <a:p>
+            <a:r>
+              <a:rPr lang="fr-FR" dirty="0" err="1"/>
+              <a:t>Implements</a:t>
+            </a:r>
+            <a:r>
+              <a:rPr lang="fr-FR" dirty="0"/>
+              <a:t> the Visitor design pattern</a:t>
+            </a:r>
+          </a:p>
+          <a:p>
+            <a:endParaRPr lang="fr-FR" dirty="0"/>
+          </a:p>
+          <a:p>
+            <a:r>
+              <a:rPr lang="fr-FR" dirty="0" err="1"/>
+              <a:t>Other</a:t>
+            </a:r>
+            <a:r>
+              <a:rPr lang="fr-FR" dirty="0"/>
+              <a:t> </a:t>
+            </a:r>
+            <a:r>
+              <a:rPr lang="fr-FR" dirty="0" err="1"/>
+              <a:t>ideas</a:t>
+            </a:r>
+            <a:r>
+              <a:rPr lang="fr-FR" dirty="0"/>
+              <a:t> ? </a:t>
+            </a:r>
+          </a:p>
+          <a:p>
+            <a:endParaRPr lang="fr-FR" dirty="0"/>
+          </a:p>
+          <a:p>
+            <a:endParaRPr lang="fr-FR" dirty="0"/>
+          </a:p>
+        </p:txBody>
+      </p:sp>
+    </p:spTree>
+    <p:extLst>
+      <p:ext uri="{BB962C8B-B14F-4D97-AF65-F5344CB8AC3E}">
+        <p14:creationId xmlns:p14="http://schemas.microsoft.com/office/powerpoint/2010/main" val="1408760124"/>
       </p:ext>
     </p:extLst>
   </p:cSld>
